--- a/ppt 16-9/0946.在黑暗时.pptx
+++ b/ppt 16-9/0946.在黑暗时.pptx
@@ -129,7 +129,7 @@
           <p:cNvPr id="2" name="标题 1">
             <a:extLst>
               <a:ext uri="{FF2B5EF4-FFF2-40B4-BE49-F238E27FC236}">
-                <a16:creationId xmlns:a16="http://schemas.microsoft.com/office/drawing/2014/main" id="{73F11881-1718-374C-FCFF-58821B7B68CE}"/>
+                <a16:creationId xmlns:a16="http://schemas.microsoft.com/office/drawing/2014/main" id="{7B030FB8-C2B6-C108-7599-87F65BBBA4AE}"/>
               </a:ext>
             </a:extLst>
           </p:cNvPr>
@@ -166,7 +166,7 @@
           <p:cNvPr id="3" name="副标题 2">
             <a:extLst>
               <a:ext uri="{FF2B5EF4-FFF2-40B4-BE49-F238E27FC236}">
-                <a16:creationId xmlns:a16="http://schemas.microsoft.com/office/drawing/2014/main" id="{B5B237D9-1A54-90D6-45B9-CA29CC425F85}"/>
+                <a16:creationId xmlns:a16="http://schemas.microsoft.com/office/drawing/2014/main" id="{2125E8C2-4889-98A7-48AD-B40008B01DB4}"/>
               </a:ext>
             </a:extLst>
           </p:cNvPr>
@@ -236,7 +236,7 @@
           <p:cNvPr id="4" name="日期占位符 3">
             <a:extLst>
               <a:ext uri="{FF2B5EF4-FFF2-40B4-BE49-F238E27FC236}">
-                <a16:creationId xmlns:a16="http://schemas.microsoft.com/office/drawing/2014/main" id="{5A57D0C2-F903-A37D-615D-F31DD9466523}"/>
+                <a16:creationId xmlns:a16="http://schemas.microsoft.com/office/drawing/2014/main" id="{E16F3CC9-1DE2-5B28-3F1C-BE7A930BD6C1}"/>
               </a:ext>
             </a:extLst>
           </p:cNvPr>
@@ -252,7 +252,7 @@
           <a:bodyPr/>
           <a:lstStyle/>
           <a:p>
-            <a:fld id="{0A71A849-127A-47AC-9868-4DFFD1601E62}" type="datetimeFigureOut">
+            <a:fld id="{BF1BDE71-5EE5-405A-AF1C-753218C2E86E}" type="datetimeFigureOut">
               <a:rPr lang="zh-CN" altLang="en-US" smtClean="0"/>
               <a:t>2024/3/10</a:t>
             </a:fld>
@@ -265,7 +265,7 @@
           <p:cNvPr id="5" name="页脚占位符 4">
             <a:extLst>
               <a:ext uri="{FF2B5EF4-FFF2-40B4-BE49-F238E27FC236}">
-                <a16:creationId xmlns:a16="http://schemas.microsoft.com/office/drawing/2014/main" id="{A802D627-44FF-DBFF-6FB2-385A88727DA9}"/>
+                <a16:creationId xmlns:a16="http://schemas.microsoft.com/office/drawing/2014/main" id="{8C97984A-F59F-EDD7-A768-E592CC1640BC}"/>
               </a:ext>
             </a:extLst>
           </p:cNvPr>
@@ -290,7 +290,7 @@
           <p:cNvPr id="6" name="灯片编号占位符 5">
             <a:extLst>
               <a:ext uri="{FF2B5EF4-FFF2-40B4-BE49-F238E27FC236}">
-                <a16:creationId xmlns:a16="http://schemas.microsoft.com/office/drawing/2014/main" id="{0006A8BA-BB47-E6F9-02DC-ACFB2ADBAD3D}"/>
+                <a16:creationId xmlns:a16="http://schemas.microsoft.com/office/drawing/2014/main" id="{15235037-0CF3-B9FA-6EC0-9FAE2936AA9E}"/>
               </a:ext>
             </a:extLst>
           </p:cNvPr>
@@ -306,7 +306,7 @@
           <a:bodyPr/>
           <a:lstStyle/>
           <a:p>
-            <a:fld id="{919E78EE-C39E-46B7-999D-CFE525624E47}" type="slidenum">
+            <a:fld id="{0731BB21-BB4F-474E-BB63-A54EC62FB4DA}" type="slidenum">
               <a:rPr lang="zh-CN" altLang="en-US" smtClean="0"/>
               <a:t>‹#›</a:t>
             </a:fld>
@@ -317,7 +317,7 @@
     </p:spTree>
     <p:extLst>
       <p:ext uri="{BB962C8B-B14F-4D97-AF65-F5344CB8AC3E}">
-        <p14:creationId xmlns:p14="http://schemas.microsoft.com/office/powerpoint/2010/main" val="1578869522"/>
+        <p14:creationId xmlns:p14="http://schemas.microsoft.com/office/powerpoint/2010/main" val="3112173213"/>
       </p:ext>
     </p:extLst>
   </p:cSld>
@@ -349,7 +349,7 @@
           <p:cNvPr id="2" name="标题 1">
             <a:extLst>
               <a:ext uri="{FF2B5EF4-FFF2-40B4-BE49-F238E27FC236}">
-                <a16:creationId xmlns:a16="http://schemas.microsoft.com/office/drawing/2014/main" id="{EF57C208-A69C-30D2-AA9D-6D8736456FEA}"/>
+                <a16:creationId xmlns:a16="http://schemas.microsoft.com/office/drawing/2014/main" id="{3595F605-8B2A-DEE9-D257-289C7EBDE326}"/>
               </a:ext>
             </a:extLst>
           </p:cNvPr>
@@ -377,7 +377,7 @@
           <p:cNvPr id="3" name="竖排文字占位符 2">
             <a:extLst>
               <a:ext uri="{FF2B5EF4-FFF2-40B4-BE49-F238E27FC236}">
-                <a16:creationId xmlns:a16="http://schemas.microsoft.com/office/drawing/2014/main" id="{6FD2F150-5EE1-62BC-D6A7-D79054B20CE1}"/>
+                <a16:creationId xmlns:a16="http://schemas.microsoft.com/office/drawing/2014/main" id="{F10F0BF0-0C6F-4CA2-58F0-377C8BA74232}"/>
               </a:ext>
             </a:extLst>
           </p:cNvPr>
@@ -434,7 +434,7 @@
           <p:cNvPr id="4" name="日期占位符 3">
             <a:extLst>
               <a:ext uri="{FF2B5EF4-FFF2-40B4-BE49-F238E27FC236}">
-                <a16:creationId xmlns:a16="http://schemas.microsoft.com/office/drawing/2014/main" id="{618B8A66-931D-685C-02C2-ACE18109BE7A}"/>
+                <a16:creationId xmlns:a16="http://schemas.microsoft.com/office/drawing/2014/main" id="{105B833F-A170-8000-7D96-0822C07D9AAE}"/>
               </a:ext>
             </a:extLst>
           </p:cNvPr>
@@ -450,7 +450,7 @@
           <a:bodyPr/>
           <a:lstStyle/>
           <a:p>
-            <a:fld id="{0A71A849-127A-47AC-9868-4DFFD1601E62}" type="datetimeFigureOut">
+            <a:fld id="{BF1BDE71-5EE5-405A-AF1C-753218C2E86E}" type="datetimeFigureOut">
               <a:rPr lang="zh-CN" altLang="en-US" smtClean="0"/>
               <a:t>2024/3/10</a:t>
             </a:fld>
@@ -463,7 +463,7 @@
           <p:cNvPr id="5" name="页脚占位符 4">
             <a:extLst>
               <a:ext uri="{FF2B5EF4-FFF2-40B4-BE49-F238E27FC236}">
-                <a16:creationId xmlns:a16="http://schemas.microsoft.com/office/drawing/2014/main" id="{874F616D-9AE5-A5D4-F5F1-88C3E4EA5FE3}"/>
+                <a16:creationId xmlns:a16="http://schemas.microsoft.com/office/drawing/2014/main" id="{B2831C9F-8197-A70D-5AFD-EA0484750513}"/>
               </a:ext>
             </a:extLst>
           </p:cNvPr>
@@ -488,7 +488,7 @@
           <p:cNvPr id="6" name="灯片编号占位符 5">
             <a:extLst>
               <a:ext uri="{FF2B5EF4-FFF2-40B4-BE49-F238E27FC236}">
-                <a16:creationId xmlns:a16="http://schemas.microsoft.com/office/drawing/2014/main" id="{1890FBE7-F3B2-F9ED-994E-C1CECB908672}"/>
+                <a16:creationId xmlns:a16="http://schemas.microsoft.com/office/drawing/2014/main" id="{D316E4F3-D1FE-1FA4-576A-0505188928AF}"/>
               </a:ext>
             </a:extLst>
           </p:cNvPr>
@@ -504,7 +504,7 @@
           <a:bodyPr/>
           <a:lstStyle/>
           <a:p>
-            <a:fld id="{919E78EE-C39E-46B7-999D-CFE525624E47}" type="slidenum">
+            <a:fld id="{0731BB21-BB4F-474E-BB63-A54EC62FB4DA}" type="slidenum">
               <a:rPr lang="zh-CN" altLang="en-US" smtClean="0"/>
               <a:t>‹#›</a:t>
             </a:fld>
@@ -515,7 +515,7 @@
     </p:spTree>
     <p:extLst>
       <p:ext uri="{BB962C8B-B14F-4D97-AF65-F5344CB8AC3E}">
-        <p14:creationId xmlns:p14="http://schemas.microsoft.com/office/powerpoint/2010/main" val="2060509005"/>
+        <p14:creationId xmlns:p14="http://schemas.microsoft.com/office/powerpoint/2010/main" val="3783059820"/>
       </p:ext>
     </p:extLst>
   </p:cSld>
@@ -547,7 +547,7 @@
           <p:cNvPr id="2" name="竖排标题 1">
             <a:extLst>
               <a:ext uri="{FF2B5EF4-FFF2-40B4-BE49-F238E27FC236}">
-                <a16:creationId xmlns:a16="http://schemas.microsoft.com/office/drawing/2014/main" id="{784C39A2-116E-422F-D7A4-492D1EA0F644}"/>
+                <a16:creationId xmlns:a16="http://schemas.microsoft.com/office/drawing/2014/main" id="{6B65E46D-80E3-68C3-AC4C-5652D221794B}"/>
               </a:ext>
             </a:extLst>
           </p:cNvPr>
@@ -580,7 +580,7 @@
           <p:cNvPr id="3" name="竖排文字占位符 2">
             <a:extLst>
               <a:ext uri="{FF2B5EF4-FFF2-40B4-BE49-F238E27FC236}">
-                <a16:creationId xmlns:a16="http://schemas.microsoft.com/office/drawing/2014/main" id="{54EA2A37-5A16-E61D-641F-C65B3CC3D7F8}"/>
+                <a16:creationId xmlns:a16="http://schemas.microsoft.com/office/drawing/2014/main" id="{5AC605B0-D3D6-C282-4BF3-8A4B039CEBAB}"/>
               </a:ext>
             </a:extLst>
           </p:cNvPr>
@@ -642,7 +642,7 @@
           <p:cNvPr id="4" name="日期占位符 3">
             <a:extLst>
               <a:ext uri="{FF2B5EF4-FFF2-40B4-BE49-F238E27FC236}">
-                <a16:creationId xmlns:a16="http://schemas.microsoft.com/office/drawing/2014/main" id="{F1F24D5E-93CB-C871-175E-F82C34A2F48E}"/>
+                <a16:creationId xmlns:a16="http://schemas.microsoft.com/office/drawing/2014/main" id="{D7E40EAA-58A3-7E70-9940-5954226DAA43}"/>
               </a:ext>
             </a:extLst>
           </p:cNvPr>
@@ -658,7 +658,7 @@
           <a:bodyPr/>
           <a:lstStyle/>
           <a:p>
-            <a:fld id="{0A71A849-127A-47AC-9868-4DFFD1601E62}" type="datetimeFigureOut">
+            <a:fld id="{BF1BDE71-5EE5-405A-AF1C-753218C2E86E}" type="datetimeFigureOut">
               <a:rPr lang="zh-CN" altLang="en-US" smtClean="0"/>
               <a:t>2024/3/10</a:t>
             </a:fld>
@@ -671,7 +671,7 @@
           <p:cNvPr id="5" name="页脚占位符 4">
             <a:extLst>
               <a:ext uri="{FF2B5EF4-FFF2-40B4-BE49-F238E27FC236}">
-                <a16:creationId xmlns:a16="http://schemas.microsoft.com/office/drawing/2014/main" id="{57B6D5D2-1320-252F-0B2D-C36F2D9E0561}"/>
+                <a16:creationId xmlns:a16="http://schemas.microsoft.com/office/drawing/2014/main" id="{087E427E-6D8A-E938-E4AE-FAA51D4B0F03}"/>
               </a:ext>
             </a:extLst>
           </p:cNvPr>
@@ -696,7 +696,7 @@
           <p:cNvPr id="6" name="灯片编号占位符 5">
             <a:extLst>
               <a:ext uri="{FF2B5EF4-FFF2-40B4-BE49-F238E27FC236}">
-                <a16:creationId xmlns:a16="http://schemas.microsoft.com/office/drawing/2014/main" id="{FBA017A8-F3C3-89B4-8201-97B9036C473B}"/>
+                <a16:creationId xmlns:a16="http://schemas.microsoft.com/office/drawing/2014/main" id="{18FBE218-CDE0-C919-8C1A-27BDBC8E80FD}"/>
               </a:ext>
             </a:extLst>
           </p:cNvPr>
@@ -712,7 +712,7 @@
           <a:bodyPr/>
           <a:lstStyle/>
           <a:p>
-            <a:fld id="{919E78EE-C39E-46B7-999D-CFE525624E47}" type="slidenum">
+            <a:fld id="{0731BB21-BB4F-474E-BB63-A54EC62FB4DA}" type="slidenum">
               <a:rPr lang="zh-CN" altLang="en-US" smtClean="0"/>
               <a:t>‹#›</a:t>
             </a:fld>
@@ -723,7 +723,7 @@
     </p:spTree>
     <p:extLst>
       <p:ext uri="{BB962C8B-B14F-4D97-AF65-F5344CB8AC3E}">
-        <p14:creationId xmlns:p14="http://schemas.microsoft.com/office/powerpoint/2010/main" val="767960968"/>
+        <p14:creationId xmlns:p14="http://schemas.microsoft.com/office/powerpoint/2010/main" val="2693967867"/>
       </p:ext>
     </p:extLst>
   </p:cSld>
@@ -755,7 +755,7 @@
           <p:cNvPr id="2" name="标题 1">
             <a:extLst>
               <a:ext uri="{FF2B5EF4-FFF2-40B4-BE49-F238E27FC236}">
-                <a16:creationId xmlns:a16="http://schemas.microsoft.com/office/drawing/2014/main" id="{FAE89F64-0885-ACF4-EB9F-499E96E69E42}"/>
+                <a16:creationId xmlns:a16="http://schemas.microsoft.com/office/drawing/2014/main" id="{E6487E82-99EB-144A-F9FA-F0EF03F7E2C3}"/>
               </a:ext>
             </a:extLst>
           </p:cNvPr>
@@ -783,7 +783,7 @@
           <p:cNvPr id="3" name="内容占位符 2">
             <a:extLst>
               <a:ext uri="{FF2B5EF4-FFF2-40B4-BE49-F238E27FC236}">
-                <a16:creationId xmlns:a16="http://schemas.microsoft.com/office/drawing/2014/main" id="{0D878DFF-3356-2A90-81DA-494145C8A5EE}"/>
+                <a16:creationId xmlns:a16="http://schemas.microsoft.com/office/drawing/2014/main" id="{9AECDCAE-ADC6-E011-1D39-98CC036D798A}"/>
               </a:ext>
             </a:extLst>
           </p:cNvPr>
@@ -840,7 +840,7 @@
           <p:cNvPr id="4" name="日期占位符 3">
             <a:extLst>
               <a:ext uri="{FF2B5EF4-FFF2-40B4-BE49-F238E27FC236}">
-                <a16:creationId xmlns:a16="http://schemas.microsoft.com/office/drawing/2014/main" id="{D14E4E60-377F-7136-2A88-6F0F749974BF}"/>
+                <a16:creationId xmlns:a16="http://schemas.microsoft.com/office/drawing/2014/main" id="{8981A62C-C36A-456D-B733-8CC3D381AF9E}"/>
               </a:ext>
             </a:extLst>
           </p:cNvPr>
@@ -856,7 +856,7 @@
           <a:bodyPr/>
           <a:lstStyle/>
           <a:p>
-            <a:fld id="{0A71A849-127A-47AC-9868-4DFFD1601E62}" type="datetimeFigureOut">
+            <a:fld id="{BF1BDE71-5EE5-405A-AF1C-753218C2E86E}" type="datetimeFigureOut">
               <a:rPr lang="zh-CN" altLang="en-US" smtClean="0"/>
               <a:t>2024/3/10</a:t>
             </a:fld>
@@ -869,7 +869,7 @@
           <p:cNvPr id="5" name="页脚占位符 4">
             <a:extLst>
               <a:ext uri="{FF2B5EF4-FFF2-40B4-BE49-F238E27FC236}">
-                <a16:creationId xmlns:a16="http://schemas.microsoft.com/office/drawing/2014/main" id="{6465F429-2EC4-E02C-62E2-EF6DDF46E6CC}"/>
+                <a16:creationId xmlns:a16="http://schemas.microsoft.com/office/drawing/2014/main" id="{A6FF374D-F689-2FCC-5110-732D5ED6EB21}"/>
               </a:ext>
             </a:extLst>
           </p:cNvPr>
@@ -894,7 +894,7 @@
           <p:cNvPr id="6" name="灯片编号占位符 5">
             <a:extLst>
               <a:ext uri="{FF2B5EF4-FFF2-40B4-BE49-F238E27FC236}">
-                <a16:creationId xmlns:a16="http://schemas.microsoft.com/office/drawing/2014/main" id="{C0AA8B5B-0962-6F56-565B-7958A5AC8EBE}"/>
+                <a16:creationId xmlns:a16="http://schemas.microsoft.com/office/drawing/2014/main" id="{3636C81E-F7CF-6B1E-DA25-9D235E2575ED}"/>
               </a:ext>
             </a:extLst>
           </p:cNvPr>
@@ -910,7 +910,7 @@
           <a:bodyPr/>
           <a:lstStyle/>
           <a:p>
-            <a:fld id="{919E78EE-C39E-46B7-999D-CFE525624E47}" type="slidenum">
+            <a:fld id="{0731BB21-BB4F-474E-BB63-A54EC62FB4DA}" type="slidenum">
               <a:rPr lang="zh-CN" altLang="en-US" smtClean="0"/>
               <a:t>‹#›</a:t>
             </a:fld>
@@ -921,7 +921,7 @@
     </p:spTree>
     <p:extLst>
       <p:ext uri="{BB962C8B-B14F-4D97-AF65-F5344CB8AC3E}">
-        <p14:creationId xmlns:p14="http://schemas.microsoft.com/office/powerpoint/2010/main" val="1236058083"/>
+        <p14:creationId xmlns:p14="http://schemas.microsoft.com/office/powerpoint/2010/main" val="2739494327"/>
       </p:ext>
     </p:extLst>
   </p:cSld>
@@ -953,7 +953,7 @@
           <p:cNvPr id="2" name="标题 1">
             <a:extLst>
               <a:ext uri="{FF2B5EF4-FFF2-40B4-BE49-F238E27FC236}">
-                <a16:creationId xmlns:a16="http://schemas.microsoft.com/office/drawing/2014/main" id="{BE954B44-B781-81F8-4B2B-29FEE3D5BD57}"/>
+                <a16:creationId xmlns:a16="http://schemas.microsoft.com/office/drawing/2014/main" id="{37341747-84B5-3CD2-19EF-D4BECC148A1B}"/>
               </a:ext>
             </a:extLst>
           </p:cNvPr>
@@ -990,7 +990,7 @@
           <p:cNvPr id="3" name="文本占位符 2">
             <a:extLst>
               <a:ext uri="{FF2B5EF4-FFF2-40B4-BE49-F238E27FC236}">
-                <a16:creationId xmlns:a16="http://schemas.microsoft.com/office/drawing/2014/main" id="{BDB04728-2E54-71C1-26CC-C55F3A584141}"/>
+                <a16:creationId xmlns:a16="http://schemas.microsoft.com/office/drawing/2014/main" id="{9CCFCBE1-9B52-E394-E1D0-18AC6660C0F7}"/>
               </a:ext>
             </a:extLst>
           </p:cNvPr>
@@ -1115,7 +1115,7 @@
           <p:cNvPr id="4" name="日期占位符 3">
             <a:extLst>
               <a:ext uri="{FF2B5EF4-FFF2-40B4-BE49-F238E27FC236}">
-                <a16:creationId xmlns:a16="http://schemas.microsoft.com/office/drawing/2014/main" id="{A4DC9C60-20EB-A382-C90D-4190014C68BF}"/>
+                <a16:creationId xmlns:a16="http://schemas.microsoft.com/office/drawing/2014/main" id="{10C4ED2F-47B4-816C-FDB7-083E31E078EE}"/>
               </a:ext>
             </a:extLst>
           </p:cNvPr>
@@ -1131,7 +1131,7 @@
           <a:bodyPr/>
           <a:lstStyle/>
           <a:p>
-            <a:fld id="{0A71A849-127A-47AC-9868-4DFFD1601E62}" type="datetimeFigureOut">
+            <a:fld id="{BF1BDE71-5EE5-405A-AF1C-753218C2E86E}" type="datetimeFigureOut">
               <a:rPr lang="zh-CN" altLang="en-US" smtClean="0"/>
               <a:t>2024/3/10</a:t>
             </a:fld>
@@ -1144,7 +1144,7 @@
           <p:cNvPr id="5" name="页脚占位符 4">
             <a:extLst>
               <a:ext uri="{FF2B5EF4-FFF2-40B4-BE49-F238E27FC236}">
-                <a16:creationId xmlns:a16="http://schemas.microsoft.com/office/drawing/2014/main" id="{5B193A40-CA84-88C2-7289-774CB870310C}"/>
+                <a16:creationId xmlns:a16="http://schemas.microsoft.com/office/drawing/2014/main" id="{F2804238-E0D5-1543-50B6-4E01A3399606}"/>
               </a:ext>
             </a:extLst>
           </p:cNvPr>
@@ -1169,7 +1169,7 @@
           <p:cNvPr id="6" name="灯片编号占位符 5">
             <a:extLst>
               <a:ext uri="{FF2B5EF4-FFF2-40B4-BE49-F238E27FC236}">
-                <a16:creationId xmlns:a16="http://schemas.microsoft.com/office/drawing/2014/main" id="{06135C49-2558-2987-BF81-189AD13FB5DE}"/>
+                <a16:creationId xmlns:a16="http://schemas.microsoft.com/office/drawing/2014/main" id="{96C01ECF-BFCF-1F2C-D594-EE0E57613AC3}"/>
               </a:ext>
             </a:extLst>
           </p:cNvPr>
@@ -1185,7 +1185,7 @@
           <a:bodyPr/>
           <a:lstStyle/>
           <a:p>
-            <a:fld id="{919E78EE-C39E-46B7-999D-CFE525624E47}" type="slidenum">
+            <a:fld id="{0731BB21-BB4F-474E-BB63-A54EC62FB4DA}" type="slidenum">
               <a:rPr lang="zh-CN" altLang="en-US" smtClean="0"/>
               <a:t>‹#›</a:t>
             </a:fld>
@@ -1196,7 +1196,7 @@
     </p:spTree>
     <p:extLst>
       <p:ext uri="{BB962C8B-B14F-4D97-AF65-F5344CB8AC3E}">
-        <p14:creationId xmlns:p14="http://schemas.microsoft.com/office/powerpoint/2010/main" val="1255706799"/>
+        <p14:creationId xmlns:p14="http://schemas.microsoft.com/office/powerpoint/2010/main" val="1379998235"/>
       </p:ext>
     </p:extLst>
   </p:cSld>
@@ -1228,7 +1228,7 @@
           <p:cNvPr id="2" name="标题 1">
             <a:extLst>
               <a:ext uri="{FF2B5EF4-FFF2-40B4-BE49-F238E27FC236}">
-                <a16:creationId xmlns:a16="http://schemas.microsoft.com/office/drawing/2014/main" id="{9D74F5E4-8BB4-B80B-6739-B655AF009393}"/>
+                <a16:creationId xmlns:a16="http://schemas.microsoft.com/office/drawing/2014/main" id="{289CF1F0-2393-9C3B-D9EB-0BC095F197B2}"/>
               </a:ext>
             </a:extLst>
           </p:cNvPr>
@@ -1256,7 +1256,7 @@
           <p:cNvPr id="3" name="内容占位符 2">
             <a:extLst>
               <a:ext uri="{FF2B5EF4-FFF2-40B4-BE49-F238E27FC236}">
-                <a16:creationId xmlns:a16="http://schemas.microsoft.com/office/drawing/2014/main" id="{282AE3E1-9B87-A8CD-1B43-E7EF2C804D7A}"/>
+                <a16:creationId xmlns:a16="http://schemas.microsoft.com/office/drawing/2014/main" id="{01880C79-7E30-984D-BA26-D879FCE8499C}"/>
               </a:ext>
             </a:extLst>
           </p:cNvPr>
@@ -1318,7 +1318,7 @@
           <p:cNvPr id="4" name="内容占位符 3">
             <a:extLst>
               <a:ext uri="{FF2B5EF4-FFF2-40B4-BE49-F238E27FC236}">
-                <a16:creationId xmlns:a16="http://schemas.microsoft.com/office/drawing/2014/main" id="{2E20A364-FEE6-3065-A852-641BF1AF0A85}"/>
+                <a16:creationId xmlns:a16="http://schemas.microsoft.com/office/drawing/2014/main" id="{3BC3638D-A0D5-A6DC-0BB4-8BB160B35D23}"/>
               </a:ext>
             </a:extLst>
           </p:cNvPr>
@@ -1380,7 +1380,7 @@
           <p:cNvPr id="5" name="日期占位符 4">
             <a:extLst>
               <a:ext uri="{FF2B5EF4-FFF2-40B4-BE49-F238E27FC236}">
-                <a16:creationId xmlns:a16="http://schemas.microsoft.com/office/drawing/2014/main" id="{B1F535D4-19CA-FEBD-8561-38E969A53EA4}"/>
+                <a16:creationId xmlns:a16="http://schemas.microsoft.com/office/drawing/2014/main" id="{B0D12C95-E2AB-26BE-CD10-B531C3B1B6E1}"/>
               </a:ext>
             </a:extLst>
           </p:cNvPr>
@@ -1396,7 +1396,7 @@
           <a:bodyPr/>
           <a:lstStyle/>
           <a:p>
-            <a:fld id="{0A71A849-127A-47AC-9868-4DFFD1601E62}" type="datetimeFigureOut">
+            <a:fld id="{BF1BDE71-5EE5-405A-AF1C-753218C2E86E}" type="datetimeFigureOut">
               <a:rPr lang="zh-CN" altLang="en-US" smtClean="0"/>
               <a:t>2024/3/10</a:t>
             </a:fld>
@@ -1409,7 +1409,7 @@
           <p:cNvPr id="6" name="页脚占位符 5">
             <a:extLst>
               <a:ext uri="{FF2B5EF4-FFF2-40B4-BE49-F238E27FC236}">
-                <a16:creationId xmlns:a16="http://schemas.microsoft.com/office/drawing/2014/main" id="{49293513-E23C-2A5D-1632-7458AAB74E55}"/>
+                <a16:creationId xmlns:a16="http://schemas.microsoft.com/office/drawing/2014/main" id="{E801D864-C3CB-1F95-74E9-D66399DEE8DA}"/>
               </a:ext>
             </a:extLst>
           </p:cNvPr>
@@ -1434,7 +1434,7 @@
           <p:cNvPr id="7" name="灯片编号占位符 6">
             <a:extLst>
               <a:ext uri="{FF2B5EF4-FFF2-40B4-BE49-F238E27FC236}">
-                <a16:creationId xmlns:a16="http://schemas.microsoft.com/office/drawing/2014/main" id="{EE6ABE8B-B336-FDCB-2129-DAEFD7FDB0DB}"/>
+                <a16:creationId xmlns:a16="http://schemas.microsoft.com/office/drawing/2014/main" id="{EBF8A3E7-1E3E-B4BB-681D-DFFED2B22614}"/>
               </a:ext>
             </a:extLst>
           </p:cNvPr>
@@ -1450,7 +1450,7 @@
           <a:bodyPr/>
           <a:lstStyle/>
           <a:p>
-            <a:fld id="{919E78EE-C39E-46B7-999D-CFE525624E47}" type="slidenum">
+            <a:fld id="{0731BB21-BB4F-474E-BB63-A54EC62FB4DA}" type="slidenum">
               <a:rPr lang="zh-CN" altLang="en-US" smtClean="0"/>
               <a:t>‹#›</a:t>
             </a:fld>
@@ -1461,7 +1461,7 @@
     </p:spTree>
     <p:extLst>
       <p:ext uri="{BB962C8B-B14F-4D97-AF65-F5344CB8AC3E}">
-        <p14:creationId xmlns:p14="http://schemas.microsoft.com/office/powerpoint/2010/main" val="3920773196"/>
+        <p14:creationId xmlns:p14="http://schemas.microsoft.com/office/powerpoint/2010/main" val="1316987348"/>
       </p:ext>
     </p:extLst>
   </p:cSld>
@@ -1493,7 +1493,7 @@
           <p:cNvPr id="2" name="标题 1">
             <a:extLst>
               <a:ext uri="{FF2B5EF4-FFF2-40B4-BE49-F238E27FC236}">
-                <a16:creationId xmlns:a16="http://schemas.microsoft.com/office/drawing/2014/main" id="{124E8986-4BF8-802F-8B1C-2616ECC3924D}"/>
+                <a16:creationId xmlns:a16="http://schemas.microsoft.com/office/drawing/2014/main" id="{9085789A-A42B-0F13-4E61-FA2FB5CC510A}"/>
               </a:ext>
             </a:extLst>
           </p:cNvPr>
@@ -1526,7 +1526,7 @@
           <p:cNvPr id="3" name="文本占位符 2">
             <a:extLst>
               <a:ext uri="{FF2B5EF4-FFF2-40B4-BE49-F238E27FC236}">
-                <a16:creationId xmlns:a16="http://schemas.microsoft.com/office/drawing/2014/main" id="{1F08A497-9B53-A082-2F6B-96F55E7C21CA}"/>
+                <a16:creationId xmlns:a16="http://schemas.microsoft.com/office/drawing/2014/main" id="{31A748A0-7218-3931-D77C-4C88C233442F}"/>
               </a:ext>
             </a:extLst>
           </p:cNvPr>
@@ -1597,7 +1597,7 @@
           <p:cNvPr id="4" name="内容占位符 3">
             <a:extLst>
               <a:ext uri="{FF2B5EF4-FFF2-40B4-BE49-F238E27FC236}">
-                <a16:creationId xmlns:a16="http://schemas.microsoft.com/office/drawing/2014/main" id="{74949659-0B29-0BC3-8FB7-ACA8A0325BD5}"/>
+                <a16:creationId xmlns:a16="http://schemas.microsoft.com/office/drawing/2014/main" id="{D2CF6976-EE11-4251-F933-C9E15D0B0955}"/>
               </a:ext>
             </a:extLst>
           </p:cNvPr>
@@ -1659,7 +1659,7 @@
           <p:cNvPr id="5" name="文本占位符 4">
             <a:extLst>
               <a:ext uri="{FF2B5EF4-FFF2-40B4-BE49-F238E27FC236}">
-                <a16:creationId xmlns:a16="http://schemas.microsoft.com/office/drawing/2014/main" id="{FCDCEAE8-6E9B-DA93-53B7-F1BAE230A767}"/>
+                <a16:creationId xmlns:a16="http://schemas.microsoft.com/office/drawing/2014/main" id="{C0199678-E969-D0C6-2E48-78AF4DE25C16}"/>
               </a:ext>
             </a:extLst>
           </p:cNvPr>
@@ -1730,7 +1730,7 @@
           <p:cNvPr id="6" name="内容占位符 5">
             <a:extLst>
               <a:ext uri="{FF2B5EF4-FFF2-40B4-BE49-F238E27FC236}">
-                <a16:creationId xmlns:a16="http://schemas.microsoft.com/office/drawing/2014/main" id="{E8C75B69-9EF2-DCEA-F858-F1F1F0810EA5}"/>
+                <a16:creationId xmlns:a16="http://schemas.microsoft.com/office/drawing/2014/main" id="{8DE9514B-D750-21B3-81F0-FE50BC3518A1}"/>
               </a:ext>
             </a:extLst>
           </p:cNvPr>
@@ -1792,7 +1792,7 @@
           <p:cNvPr id="7" name="日期占位符 6">
             <a:extLst>
               <a:ext uri="{FF2B5EF4-FFF2-40B4-BE49-F238E27FC236}">
-                <a16:creationId xmlns:a16="http://schemas.microsoft.com/office/drawing/2014/main" id="{59E668D6-C882-6927-4AEA-048890598094}"/>
+                <a16:creationId xmlns:a16="http://schemas.microsoft.com/office/drawing/2014/main" id="{DC69D69F-B231-F41E-678A-82D89419AB0E}"/>
               </a:ext>
             </a:extLst>
           </p:cNvPr>
@@ -1808,7 +1808,7 @@
           <a:bodyPr/>
           <a:lstStyle/>
           <a:p>
-            <a:fld id="{0A71A849-127A-47AC-9868-4DFFD1601E62}" type="datetimeFigureOut">
+            <a:fld id="{BF1BDE71-5EE5-405A-AF1C-753218C2E86E}" type="datetimeFigureOut">
               <a:rPr lang="zh-CN" altLang="en-US" smtClean="0"/>
               <a:t>2024/3/10</a:t>
             </a:fld>
@@ -1821,7 +1821,7 @@
           <p:cNvPr id="8" name="页脚占位符 7">
             <a:extLst>
               <a:ext uri="{FF2B5EF4-FFF2-40B4-BE49-F238E27FC236}">
-                <a16:creationId xmlns:a16="http://schemas.microsoft.com/office/drawing/2014/main" id="{76C11DFF-5199-9205-713D-5A533B49A681}"/>
+                <a16:creationId xmlns:a16="http://schemas.microsoft.com/office/drawing/2014/main" id="{D1DAA20A-22A2-DAC5-2D5D-4F6DD0901F55}"/>
               </a:ext>
             </a:extLst>
           </p:cNvPr>
@@ -1846,7 +1846,7 @@
           <p:cNvPr id="9" name="灯片编号占位符 8">
             <a:extLst>
               <a:ext uri="{FF2B5EF4-FFF2-40B4-BE49-F238E27FC236}">
-                <a16:creationId xmlns:a16="http://schemas.microsoft.com/office/drawing/2014/main" id="{31B5458A-904B-8909-B654-CA7D53D23BC6}"/>
+                <a16:creationId xmlns:a16="http://schemas.microsoft.com/office/drawing/2014/main" id="{4B204056-D63B-1A2C-F574-D678F6C90B2A}"/>
               </a:ext>
             </a:extLst>
           </p:cNvPr>
@@ -1862,7 +1862,7 @@
           <a:bodyPr/>
           <a:lstStyle/>
           <a:p>
-            <a:fld id="{919E78EE-C39E-46B7-999D-CFE525624E47}" type="slidenum">
+            <a:fld id="{0731BB21-BB4F-474E-BB63-A54EC62FB4DA}" type="slidenum">
               <a:rPr lang="zh-CN" altLang="en-US" smtClean="0"/>
               <a:t>‹#›</a:t>
             </a:fld>
@@ -1873,7 +1873,7 @@
     </p:spTree>
     <p:extLst>
       <p:ext uri="{BB962C8B-B14F-4D97-AF65-F5344CB8AC3E}">
-        <p14:creationId xmlns:p14="http://schemas.microsoft.com/office/powerpoint/2010/main" val="888890782"/>
+        <p14:creationId xmlns:p14="http://schemas.microsoft.com/office/powerpoint/2010/main" val="3745205452"/>
       </p:ext>
     </p:extLst>
   </p:cSld>
@@ -1905,7 +1905,7 @@
           <p:cNvPr id="2" name="标题 1">
             <a:extLst>
               <a:ext uri="{FF2B5EF4-FFF2-40B4-BE49-F238E27FC236}">
-                <a16:creationId xmlns:a16="http://schemas.microsoft.com/office/drawing/2014/main" id="{E8137E0C-6375-8DF9-BF7A-BE15B7D28310}"/>
+                <a16:creationId xmlns:a16="http://schemas.microsoft.com/office/drawing/2014/main" id="{0FA70DF5-DB1D-66D1-90C5-302606C6366E}"/>
               </a:ext>
             </a:extLst>
           </p:cNvPr>
@@ -1933,7 +1933,7 @@
           <p:cNvPr id="3" name="日期占位符 2">
             <a:extLst>
               <a:ext uri="{FF2B5EF4-FFF2-40B4-BE49-F238E27FC236}">
-                <a16:creationId xmlns:a16="http://schemas.microsoft.com/office/drawing/2014/main" id="{EDB7B43D-5EE7-768D-331C-27AAD8D7839D}"/>
+                <a16:creationId xmlns:a16="http://schemas.microsoft.com/office/drawing/2014/main" id="{220840B5-7C9C-8EDC-EC55-A5D54930D8BF}"/>
               </a:ext>
             </a:extLst>
           </p:cNvPr>
@@ -1949,7 +1949,7 @@
           <a:bodyPr/>
           <a:lstStyle/>
           <a:p>
-            <a:fld id="{0A71A849-127A-47AC-9868-4DFFD1601E62}" type="datetimeFigureOut">
+            <a:fld id="{BF1BDE71-5EE5-405A-AF1C-753218C2E86E}" type="datetimeFigureOut">
               <a:rPr lang="zh-CN" altLang="en-US" smtClean="0"/>
               <a:t>2024/3/10</a:t>
             </a:fld>
@@ -1962,7 +1962,7 @@
           <p:cNvPr id="4" name="页脚占位符 3">
             <a:extLst>
               <a:ext uri="{FF2B5EF4-FFF2-40B4-BE49-F238E27FC236}">
-                <a16:creationId xmlns:a16="http://schemas.microsoft.com/office/drawing/2014/main" id="{2B158D11-56F7-1D66-8EBC-5A5B7D7CF1F0}"/>
+                <a16:creationId xmlns:a16="http://schemas.microsoft.com/office/drawing/2014/main" id="{8B23836E-8F89-674F-10C0-01B5A1B983C1}"/>
               </a:ext>
             </a:extLst>
           </p:cNvPr>
@@ -1987,7 +1987,7 @@
           <p:cNvPr id="5" name="灯片编号占位符 4">
             <a:extLst>
               <a:ext uri="{FF2B5EF4-FFF2-40B4-BE49-F238E27FC236}">
-                <a16:creationId xmlns:a16="http://schemas.microsoft.com/office/drawing/2014/main" id="{F86A00D5-0478-A6FD-5766-9FE0979A37F8}"/>
+                <a16:creationId xmlns:a16="http://schemas.microsoft.com/office/drawing/2014/main" id="{3FE4C952-F29F-5454-0186-7B8A316D05BA}"/>
               </a:ext>
             </a:extLst>
           </p:cNvPr>
@@ -2003,7 +2003,7 @@
           <a:bodyPr/>
           <a:lstStyle/>
           <a:p>
-            <a:fld id="{919E78EE-C39E-46B7-999D-CFE525624E47}" type="slidenum">
+            <a:fld id="{0731BB21-BB4F-474E-BB63-A54EC62FB4DA}" type="slidenum">
               <a:rPr lang="zh-CN" altLang="en-US" smtClean="0"/>
               <a:t>‹#›</a:t>
             </a:fld>
@@ -2014,7 +2014,7 @@
     </p:spTree>
     <p:extLst>
       <p:ext uri="{BB962C8B-B14F-4D97-AF65-F5344CB8AC3E}">
-        <p14:creationId xmlns:p14="http://schemas.microsoft.com/office/powerpoint/2010/main" val="2212626242"/>
+        <p14:creationId xmlns:p14="http://schemas.microsoft.com/office/powerpoint/2010/main" val="3414385460"/>
       </p:ext>
     </p:extLst>
   </p:cSld>
@@ -2046,7 +2046,7 @@
           <p:cNvPr id="2" name="日期占位符 1">
             <a:extLst>
               <a:ext uri="{FF2B5EF4-FFF2-40B4-BE49-F238E27FC236}">
-                <a16:creationId xmlns:a16="http://schemas.microsoft.com/office/drawing/2014/main" id="{72527D79-3CE2-24F8-1865-F8FBECFEFA78}"/>
+                <a16:creationId xmlns:a16="http://schemas.microsoft.com/office/drawing/2014/main" id="{9A9533EC-619D-F912-485C-4F2A2DF65BF2}"/>
               </a:ext>
             </a:extLst>
           </p:cNvPr>
@@ -2062,7 +2062,7 @@
           <a:bodyPr/>
           <a:lstStyle/>
           <a:p>
-            <a:fld id="{0A71A849-127A-47AC-9868-4DFFD1601E62}" type="datetimeFigureOut">
+            <a:fld id="{BF1BDE71-5EE5-405A-AF1C-753218C2E86E}" type="datetimeFigureOut">
               <a:rPr lang="zh-CN" altLang="en-US" smtClean="0"/>
               <a:t>2024/3/10</a:t>
             </a:fld>
@@ -2075,7 +2075,7 @@
           <p:cNvPr id="3" name="页脚占位符 2">
             <a:extLst>
               <a:ext uri="{FF2B5EF4-FFF2-40B4-BE49-F238E27FC236}">
-                <a16:creationId xmlns:a16="http://schemas.microsoft.com/office/drawing/2014/main" id="{B196F773-2185-35E8-7FAD-2F57AA76ED88}"/>
+                <a16:creationId xmlns:a16="http://schemas.microsoft.com/office/drawing/2014/main" id="{EB171423-43D6-728F-C510-58B485B88AFC}"/>
               </a:ext>
             </a:extLst>
           </p:cNvPr>
@@ -2100,7 +2100,7 @@
           <p:cNvPr id="4" name="灯片编号占位符 3">
             <a:extLst>
               <a:ext uri="{FF2B5EF4-FFF2-40B4-BE49-F238E27FC236}">
-                <a16:creationId xmlns:a16="http://schemas.microsoft.com/office/drawing/2014/main" id="{38C1A17E-63BB-30B8-737E-488618A2C503}"/>
+                <a16:creationId xmlns:a16="http://schemas.microsoft.com/office/drawing/2014/main" id="{1D5D3379-C8BB-F117-3920-745BFF570C8A}"/>
               </a:ext>
             </a:extLst>
           </p:cNvPr>
@@ -2116,7 +2116,7 @@
           <a:bodyPr/>
           <a:lstStyle/>
           <a:p>
-            <a:fld id="{919E78EE-C39E-46B7-999D-CFE525624E47}" type="slidenum">
+            <a:fld id="{0731BB21-BB4F-474E-BB63-A54EC62FB4DA}" type="slidenum">
               <a:rPr lang="zh-CN" altLang="en-US" smtClean="0"/>
               <a:t>‹#›</a:t>
             </a:fld>
@@ -2127,7 +2127,7 @@
     </p:spTree>
     <p:extLst>
       <p:ext uri="{BB962C8B-B14F-4D97-AF65-F5344CB8AC3E}">
-        <p14:creationId xmlns:p14="http://schemas.microsoft.com/office/powerpoint/2010/main" val="1842896772"/>
+        <p14:creationId xmlns:p14="http://schemas.microsoft.com/office/powerpoint/2010/main" val="3325596809"/>
       </p:ext>
     </p:extLst>
   </p:cSld>
@@ -2159,7 +2159,7 @@
           <p:cNvPr id="2" name="标题 1">
             <a:extLst>
               <a:ext uri="{FF2B5EF4-FFF2-40B4-BE49-F238E27FC236}">
-                <a16:creationId xmlns:a16="http://schemas.microsoft.com/office/drawing/2014/main" id="{660623F8-DB12-4023-1CC6-A89F11864A60}"/>
+                <a16:creationId xmlns:a16="http://schemas.microsoft.com/office/drawing/2014/main" id="{2EF337FF-887C-39D8-C0EE-1B3479FF1E1D}"/>
               </a:ext>
             </a:extLst>
           </p:cNvPr>
@@ -2196,7 +2196,7 @@
           <p:cNvPr id="3" name="内容占位符 2">
             <a:extLst>
               <a:ext uri="{FF2B5EF4-FFF2-40B4-BE49-F238E27FC236}">
-                <a16:creationId xmlns:a16="http://schemas.microsoft.com/office/drawing/2014/main" id="{9BB96B35-75FB-7D1F-8A41-91EF2F93C804}"/>
+                <a16:creationId xmlns:a16="http://schemas.microsoft.com/office/drawing/2014/main" id="{5BD2AF41-395F-EEC1-467B-BD8112C9E01C}"/>
               </a:ext>
             </a:extLst>
           </p:cNvPr>
@@ -2286,7 +2286,7 @@
           <p:cNvPr id="4" name="文本占位符 3">
             <a:extLst>
               <a:ext uri="{FF2B5EF4-FFF2-40B4-BE49-F238E27FC236}">
-                <a16:creationId xmlns:a16="http://schemas.microsoft.com/office/drawing/2014/main" id="{926EFAAA-C547-C98A-9A88-775BCAA0BFD1}"/>
+                <a16:creationId xmlns:a16="http://schemas.microsoft.com/office/drawing/2014/main" id="{19227CEC-AA7A-F08C-CD1C-5F051F15C04F}"/>
               </a:ext>
             </a:extLst>
           </p:cNvPr>
@@ -2357,7 +2357,7 @@
           <p:cNvPr id="5" name="日期占位符 4">
             <a:extLst>
               <a:ext uri="{FF2B5EF4-FFF2-40B4-BE49-F238E27FC236}">
-                <a16:creationId xmlns:a16="http://schemas.microsoft.com/office/drawing/2014/main" id="{F012AF6E-2CDD-3349-F678-0F46DAE8CFCE}"/>
+                <a16:creationId xmlns:a16="http://schemas.microsoft.com/office/drawing/2014/main" id="{B3DD992E-788B-4F99-9166-6C0EB5DC56DD}"/>
               </a:ext>
             </a:extLst>
           </p:cNvPr>
@@ -2373,7 +2373,7 @@
           <a:bodyPr/>
           <a:lstStyle/>
           <a:p>
-            <a:fld id="{0A71A849-127A-47AC-9868-4DFFD1601E62}" type="datetimeFigureOut">
+            <a:fld id="{BF1BDE71-5EE5-405A-AF1C-753218C2E86E}" type="datetimeFigureOut">
               <a:rPr lang="zh-CN" altLang="en-US" smtClean="0"/>
               <a:t>2024/3/10</a:t>
             </a:fld>
@@ -2386,7 +2386,7 @@
           <p:cNvPr id="6" name="页脚占位符 5">
             <a:extLst>
               <a:ext uri="{FF2B5EF4-FFF2-40B4-BE49-F238E27FC236}">
-                <a16:creationId xmlns:a16="http://schemas.microsoft.com/office/drawing/2014/main" id="{CF5A1C49-95FA-C1D6-0093-A8B3634AC4F9}"/>
+                <a16:creationId xmlns:a16="http://schemas.microsoft.com/office/drawing/2014/main" id="{7ED545CE-FD30-B020-38AE-239C84D8CD43}"/>
               </a:ext>
             </a:extLst>
           </p:cNvPr>
@@ -2411,7 +2411,7 @@
           <p:cNvPr id="7" name="灯片编号占位符 6">
             <a:extLst>
               <a:ext uri="{FF2B5EF4-FFF2-40B4-BE49-F238E27FC236}">
-                <a16:creationId xmlns:a16="http://schemas.microsoft.com/office/drawing/2014/main" id="{00D90A13-1CD2-27F8-E4F7-C23D7E50930D}"/>
+                <a16:creationId xmlns:a16="http://schemas.microsoft.com/office/drawing/2014/main" id="{D7DD605F-2ED3-70E7-4E32-C6DB01D48D1D}"/>
               </a:ext>
             </a:extLst>
           </p:cNvPr>
@@ -2427,7 +2427,7 @@
           <a:bodyPr/>
           <a:lstStyle/>
           <a:p>
-            <a:fld id="{919E78EE-C39E-46B7-999D-CFE525624E47}" type="slidenum">
+            <a:fld id="{0731BB21-BB4F-474E-BB63-A54EC62FB4DA}" type="slidenum">
               <a:rPr lang="zh-CN" altLang="en-US" smtClean="0"/>
               <a:t>‹#›</a:t>
             </a:fld>
@@ -2438,7 +2438,7 @@
     </p:spTree>
     <p:extLst>
       <p:ext uri="{BB962C8B-B14F-4D97-AF65-F5344CB8AC3E}">
-        <p14:creationId xmlns:p14="http://schemas.microsoft.com/office/powerpoint/2010/main" val="4045832245"/>
+        <p14:creationId xmlns:p14="http://schemas.microsoft.com/office/powerpoint/2010/main" val="1054905111"/>
       </p:ext>
     </p:extLst>
   </p:cSld>
@@ -2470,7 +2470,7 @@
           <p:cNvPr id="2" name="标题 1">
             <a:extLst>
               <a:ext uri="{FF2B5EF4-FFF2-40B4-BE49-F238E27FC236}">
-                <a16:creationId xmlns:a16="http://schemas.microsoft.com/office/drawing/2014/main" id="{5AC25149-443F-9A7B-2357-0148F7D69D76}"/>
+                <a16:creationId xmlns:a16="http://schemas.microsoft.com/office/drawing/2014/main" id="{3982048A-6DB3-99EF-96A3-B22E5E8088D7}"/>
               </a:ext>
             </a:extLst>
           </p:cNvPr>
@@ -2507,7 +2507,7 @@
           <p:cNvPr id="3" name="图片占位符 2">
             <a:extLst>
               <a:ext uri="{FF2B5EF4-FFF2-40B4-BE49-F238E27FC236}">
-                <a16:creationId xmlns:a16="http://schemas.microsoft.com/office/drawing/2014/main" id="{49491752-D070-AFFE-AA8C-1CC07A996DA3}"/>
+                <a16:creationId xmlns:a16="http://schemas.microsoft.com/office/drawing/2014/main" id="{9DCAC07E-0D2D-C5CE-372C-BDAFC1E5F7A1}"/>
               </a:ext>
             </a:extLst>
           </p:cNvPr>
@@ -2574,7 +2574,7 @@
           <p:cNvPr id="4" name="文本占位符 3">
             <a:extLst>
               <a:ext uri="{FF2B5EF4-FFF2-40B4-BE49-F238E27FC236}">
-                <a16:creationId xmlns:a16="http://schemas.microsoft.com/office/drawing/2014/main" id="{89C0C100-2C2B-1034-4627-97CC7B5FBA88}"/>
+                <a16:creationId xmlns:a16="http://schemas.microsoft.com/office/drawing/2014/main" id="{4AF9722D-CE39-D2BF-51EC-F8D75E92693F}"/>
               </a:ext>
             </a:extLst>
           </p:cNvPr>
@@ -2645,7 +2645,7 @@
           <p:cNvPr id="5" name="日期占位符 4">
             <a:extLst>
               <a:ext uri="{FF2B5EF4-FFF2-40B4-BE49-F238E27FC236}">
-                <a16:creationId xmlns:a16="http://schemas.microsoft.com/office/drawing/2014/main" id="{A9ED7119-1238-E0E1-0D1B-F6069096029D}"/>
+                <a16:creationId xmlns:a16="http://schemas.microsoft.com/office/drawing/2014/main" id="{4B28B2A9-2BDE-99DD-E25B-48240745692F}"/>
               </a:ext>
             </a:extLst>
           </p:cNvPr>
@@ -2661,7 +2661,7 @@
           <a:bodyPr/>
           <a:lstStyle/>
           <a:p>
-            <a:fld id="{0A71A849-127A-47AC-9868-4DFFD1601E62}" type="datetimeFigureOut">
+            <a:fld id="{BF1BDE71-5EE5-405A-AF1C-753218C2E86E}" type="datetimeFigureOut">
               <a:rPr lang="zh-CN" altLang="en-US" smtClean="0"/>
               <a:t>2024/3/10</a:t>
             </a:fld>
@@ -2674,7 +2674,7 @@
           <p:cNvPr id="6" name="页脚占位符 5">
             <a:extLst>
               <a:ext uri="{FF2B5EF4-FFF2-40B4-BE49-F238E27FC236}">
-                <a16:creationId xmlns:a16="http://schemas.microsoft.com/office/drawing/2014/main" id="{F7B42A93-D374-3290-54D7-4DF78782CD42}"/>
+                <a16:creationId xmlns:a16="http://schemas.microsoft.com/office/drawing/2014/main" id="{43A01F46-DCAE-293C-9D8B-5D48B5AB479D}"/>
               </a:ext>
             </a:extLst>
           </p:cNvPr>
@@ -2699,7 +2699,7 @@
           <p:cNvPr id="7" name="灯片编号占位符 6">
             <a:extLst>
               <a:ext uri="{FF2B5EF4-FFF2-40B4-BE49-F238E27FC236}">
-                <a16:creationId xmlns:a16="http://schemas.microsoft.com/office/drawing/2014/main" id="{61581BB5-0E12-47AB-A178-180CDF5ACAA8}"/>
+                <a16:creationId xmlns:a16="http://schemas.microsoft.com/office/drawing/2014/main" id="{DE60EB8C-36F4-EF46-6BEC-F245D5D3C99F}"/>
               </a:ext>
             </a:extLst>
           </p:cNvPr>
@@ -2715,7 +2715,7 @@
           <a:bodyPr/>
           <a:lstStyle/>
           <a:p>
-            <a:fld id="{919E78EE-C39E-46B7-999D-CFE525624E47}" type="slidenum">
+            <a:fld id="{0731BB21-BB4F-474E-BB63-A54EC62FB4DA}" type="slidenum">
               <a:rPr lang="zh-CN" altLang="en-US" smtClean="0"/>
               <a:t>‹#›</a:t>
             </a:fld>
@@ -2726,7 +2726,7 @@
     </p:spTree>
     <p:extLst>
       <p:ext uri="{BB962C8B-B14F-4D97-AF65-F5344CB8AC3E}">
-        <p14:creationId xmlns:p14="http://schemas.microsoft.com/office/powerpoint/2010/main" val="1494819271"/>
+        <p14:creationId xmlns:p14="http://schemas.microsoft.com/office/powerpoint/2010/main" val="1912797889"/>
       </p:ext>
     </p:extLst>
   </p:cSld>
@@ -2763,7 +2763,7 @@
           <p:cNvPr id="2" name="标题占位符 1">
             <a:extLst>
               <a:ext uri="{FF2B5EF4-FFF2-40B4-BE49-F238E27FC236}">
-                <a16:creationId xmlns:a16="http://schemas.microsoft.com/office/drawing/2014/main" id="{2F2ADAB0-D345-E798-E7B4-283D1BE6DC8B}"/>
+                <a16:creationId xmlns:a16="http://schemas.microsoft.com/office/drawing/2014/main" id="{EE4F9B52-0A74-23CB-663E-7AC0B4D3E50A}"/>
               </a:ext>
             </a:extLst>
           </p:cNvPr>
@@ -2801,7 +2801,7 @@
           <p:cNvPr id="3" name="文本占位符 2">
             <a:extLst>
               <a:ext uri="{FF2B5EF4-FFF2-40B4-BE49-F238E27FC236}">
-                <a16:creationId xmlns:a16="http://schemas.microsoft.com/office/drawing/2014/main" id="{A1BBD4A7-666E-8BA5-B54E-4F722B67F53F}"/>
+                <a16:creationId xmlns:a16="http://schemas.microsoft.com/office/drawing/2014/main" id="{EE181DD5-375E-B719-FE34-6E9651EC2409}"/>
               </a:ext>
             </a:extLst>
           </p:cNvPr>
@@ -2868,7 +2868,7 @@
           <p:cNvPr id="4" name="日期占位符 3">
             <a:extLst>
               <a:ext uri="{FF2B5EF4-FFF2-40B4-BE49-F238E27FC236}">
-                <a16:creationId xmlns:a16="http://schemas.microsoft.com/office/drawing/2014/main" id="{F47E64A6-EBEE-6BB1-F34C-3CBBF7B8C675}"/>
+                <a16:creationId xmlns:a16="http://schemas.microsoft.com/office/drawing/2014/main" id="{19FBDADB-29FF-18EA-9603-FD77311D779A}"/>
               </a:ext>
             </a:extLst>
           </p:cNvPr>
@@ -2902,7 +2902,7 @@
             </a:lvl1pPr>
           </a:lstStyle>
           <a:p>
-            <a:fld id="{0A71A849-127A-47AC-9868-4DFFD1601E62}" type="datetimeFigureOut">
+            <a:fld id="{BF1BDE71-5EE5-405A-AF1C-753218C2E86E}" type="datetimeFigureOut">
               <a:rPr lang="zh-CN" altLang="en-US" smtClean="0"/>
               <a:t>2024/3/10</a:t>
             </a:fld>
@@ -2915,7 +2915,7 @@
           <p:cNvPr id="5" name="页脚占位符 4">
             <a:extLst>
               <a:ext uri="{FF2B5EF4-FFF2-40B4-BE49-F238E27FC236}">
-                <a16:creationId xmlns:a16="http://schemas.microsoft.com/office/drawing/2014/main" id="{9F46B412-3264-486E-B1C3-D9B6B2D312B1}"/>
+                <a16:creationId xmlns:a16="http://schemas.microsoft.com/office/drawing/2014/main" id="{706C8117-481C-252D-FD03-9EE0391FAE29}"/>
               </a:ext>
             </a:extLst>
           </p:cNvPr>
@@ -2958,7 +2958,7 @@
           <p:cNvPr id="6" name="灯片编号占位符 5">
             <a:extLst>
               <a:ext uri="{FF2B5EF4-FFF2-40B4-BE49-F238E27FC236}">
-                <a16:creationId xmlns:a16="http://schemas.microsoft.com/office/drawing/2014/main" id="{033F59E8-C88B-F016-C1F4-12703CA0A295}"/>
+                <a16:creationId xmlns:a16="http://schemas.microsoft.com/office/drawing/2014/main" id="{253AA722-D45F-5A0E-6522-4E99AC3EFD67}"/>
               </a:ext>
             </a:extLst>
           </p:cNvPr>
@@ -2992,7 +2992,7 @@
             </a:lvl1pPr>
           </a:lstStyle>
           <a:p>
-            <a:fld id="{919E78EE-C39E-46B7-999D-CFE525624E47}" type="slidenum">
+            <a:fld id="{0731BB21-BB4F-474E-BB63-A54EC62FB4DA}" type="slidenum">
               <a:rPr lang="zh-CN" altLang="en-US" smtClean="0"/>
               <a:t>‹#›</a:t>
             </a:fld>
@@ -3003,7 +3003,7 @@
     </p:spTree>
     <p:extLst>
       <p:ext uri="{BB962C8B-B14F-4D97-AF65-F5344CB8AC3E}">
-        <p14:creationId xmlns:p14="http://schemas.microsoft.com/office/powerpoint/2010/main" val="1036998327"/>
+        <p14:creationId xmlns:p14="http://schemas.microsoft.com/office/powerpoint/2010/main" val="1399998112"/>
       </p:ext>
     </p:extLst>
   </p:cSld>
